--- a/R_BASICS_201811022.pptx
+++ b/R_BASICS_201811022.pptx
@@ -184,7 +184,6 @@
           </a:p>
         </c:rich>
       </c:tx>
-      <c:layout/>
       <c:overlay val="0"/>
       <c:spPr>
         <a:noFill/>
@@ -481,11 +480,11 @@
         </c:dLbls>
         <c:gapWidth val="219"/>
         <c:overlap val="-27"/>
-        <c:axId val="-1972447248"/>
-        <c:axId val="-11129232"/>
+        <c:axId val="2114450496"/>
+        <c:axId val="2114440704"/>
       </c:barChart>
       <c:catAx>
-        <c:axId val="-1972447248"/>
+        <c:axId val="2114450496"/>
         <c:scaling>
           <c:orientation val="minMax"/>
         </c:scaling>
@@ -528,7 +527,7 @@
             <a:endParaRPr lang="es-ES"/>
           </a:p>
         </c:txPr>
-        <c:crossAx val="-11129232"/>
+        <c:crossAx val="2114440704"/>
         <c:crosses val="autoZero"/>
         <c:auto val="1"/>
         <c:lblAlgn val="ctr"/>
@@ -536,7 +535,7 @@
         <c:noMultiLvlLbl val="0"/>
       </c:catAx>
       <c:valAx>
-        <c:axId val="-11129232"/>
+        <c:axId val="2114440704"/>
         <c:scaling>
           <c:orientation val="minMax"/>
         </c:scaling>
@@ -587,7 +586,7 @@
             <a:endParaRPr lang="es-ES"/>
           </a:p>
         </c:txPr>
-        <c:crossAx val="-1972447248"/>
+        <c:crossAx val="2114450496"/>
         <c:crosses val="autoZero"/>
         <c:crossBetween val="between"/>
       </c:valAx>
@@ -1671,11 +1670,11 @@
           <c:showPercent val="0"/>
           <c:showBubbleSize val="0"/>
         </c:dLbls>
-        <c:axId val="-1920738432"/>
-        <c:axId val="-1920732448"/>
+        <c:axId val="2114445600"/>
+        <c:axId val="2114446144"/>
       </c:scatterChart>
       <c:valAx>
-        <c:axId val="-1920738432"/>
+        <c:axId val="2114445600"/>
         <c:scaling>
           <c:orientation val="minMax"/>
           <c:max val="8"/>
@@ -1728,7 +1727,6 @@
               </a:p>
             </c:rich>
           </c:tx>
-          <c:layout/>
           <c:overlay val="0"/>
           <c:spPr>
             <a:noFill/>
@@ -1795,13 +1793,13 @@
             <a:endParaRPr lang="es-ES"/>
           </a:p>
         </c:txPr>
-        <c:crossAx val="-1920732448"/>
+        <c:crossAx val="2114446144"/>
         <c:crosses val="autoZero"/>
         <c:crossBetween val="midCat"/>
         <c:majorUnit val="0.5"/>
       </c:valAx>
       <c:valAx>
-        <c:axId val="-1920732448"/>
+        <c:axId val="2114446144"/>
         <c:scaling>
           <c:orientation val="minMax"/>
           <c:min val="0.5"/>
@@ -1848,7 +1846,6 @@
               </a:p>
             </c:rich>
           </c:tx>
-          <c:layout/>
           <c:overlay val="0"/>
           <c:spPr>
             <a:noFill/>
@@ -1915,7 +1912,7 @@
             <a:endParaRPr lang="es-ES"/>
           </a:p>
         </c:txPr>
-        <c:crossAx val="-1920738432"/>
+        <c:crossAx val="2114445600"/>
         <c:crosses val="autoZero"/>
         <c:crossBetween val="midCat"/>
       </c:valAx>
@@ -6125,11 +6122,7 @@
           <a:p>
             <a:r>
               <a:rPr lang="en-US" dirty="0" smtClean="0"/>
-              <a:t>First step</a:t>
-            </a:r>
-            <a:r>
-              <a:rPr lang="en-US" dirty="0" smtClean="0"/>
-              <a:t>: Install R and </a:t>
+              <a:t>First step: Install R and </a:t>
             </a:r>
             <a:r>
               <a:rPr lang="en-US" dirty="0" err="1" smtClean="0"/>
@@ -6808,6 +6801,37 @@
           </a:prstGeom>
         </p:spPr>
       </p:pic>
+      <p:sp>
+        <p:nvSpPr>
+          <p:cNvPr id="2" name="Rectángulo 1"/>
+          <p:cNvSpPr/>
+          <p:nvPr/>
+        </p:nvSpPr>
+        <p:spPr>
+          <a:xfrm>
+            <a:off x="357667" y="277981"/>
+            <a:ext cx="4640438" cy="369332"/>
+          </a:xfrm>
+          <a:prstGeom prst="rect">
+            <a:avLst/>
+          </a:prstGeom>
+        </p:spPr>
+        <p:txBody>
+          <a:bodyPr wrap="none">
+            <a:spAutoFit/>
+          </a:bodyPr>
+          <a:lstStyle/>
+          <a:p>
+            <a:r>
+              <a:rPr lang="es-ES" dirty="0">
+                <a:hlinkClick r:id="rId5"/>
+              </a:rPr>
+              <a:t>https://github.com/camocolombia/R_Examples</a:t>
+            </a:r>
+            <a:endParaRPr lang="es-ES" dirty="0"/>
+          </a:p>
+        </p:txBody>
+      </p:sp>
     </p:spTree>
     <p:extLst>
       <p:ext uri="{BB962C8B-B14F-4D97-AF65-F5344CB8AC3E}">
@@ -11753,11 +11777,7 @@
           <a:p>
             <a:r>
               <a:rPr lang="en-US" dirty="0" smtClean="0"/>
-              <a:t>Some b</a:t>
-            </a:r>
-            <a:r>
-              <a:rPr lang="en-US" dirty="0" smtClean="0"/>
-              <a:t>asic functions in Excel</a:t>
+              <a:t>Some basic functions in Excel</a:t>
             </a:r>
             <a:endParaRPr lang="en-US" dirty="0"/>
           </a:p>
